--- a/绕城高速安全APP/航道安全平台 0926.pptx
+++ b/绕城高速安全APP/航道安全平台 0926.pptx
@@ -221,7 +221,7 @@
           <a:p>
             <a:fld id="{9C1EC92A-6BE7-46D7-BB2A-9EF8637F68E2}" type="datetimeFigureOut">
               <a:rPr lang="zh-CN" altLang="en-US" smtClean="0"/>
-              <a:t>2018/5/3</a:t>
+              <a:t>2018/5/7</a:t>
             </a:fld>
             <a:endParaRPr lang="zh-CN" altLang="en-US"/>
           </a:p>
@@ -2916,7 +2916,7 @@
           <a:p>
             <a:fld id="{F9EA1687-7EE6-479F-A4F5-5CC717677A36}" type="datetimeFigureOut">
               <a:rPr lang="zh-CN" altLang="en-US" smtClean="0"/>
-              <a:t>2018/5/3</a:t>
+              <a:t>2018/5/7</a:t>
             </a:fld>
             <a:endParaRPr lang="zh-CN" altLang="en-US"/>
           </a:p>
@@ -3124,7 +3124,7 @@
           <a:p>
             <a:fld id="{F9EA1687-7EE6-479F-A4F5-5CC717677A36}" type="datetimeFigureOut">
               <a:rPr lang="zh-CN" altLang="en-US" smtClean="0"/>
-              <a:t>2018/5/3</a:t>
+              <a:t>2018/5/7</a:t>
             </a:fld>
             <a:endParaRPr lang="zh-CN" altLang="en-US"/>
           </a:p>
@@ -3995,7 +3995,7 @@
           <a:p>
             <a:fld id="{F9EA1687-7EE6-479F-A4F5-5CC717677A36}" type="datetimeFigureOut">
               <a:rPr lang="zh-CN" altLang="en-US" smtClean="0"/>
-              <a:t>2018/5/3</a:t>
+              <a:t>2018/5/7</a:t>
             </a:fld>
             <a:endParaRPr lang="zh-CN" altLang="en-US"/>
           </a:p>
@@ -4260,7 +4260,7 @@
           <a:p>
             <a:fld id="{F9EA1687-7EE6-479F-A4F5-5CC717677A36}" type="datetimeFigureOut">
               <a:rPr lang="zh-CN" altLang="en-US" smtClean="0"/>
-              <a:t>2018/5/3</a:t>
+              <a:t>2018/5/7</a:t>
             </a:fld>
             <a:endParaRPr lang="zh-CN" altLang="en-US"/>
           </a:p>
@@ -4672,7 +4672,7 @@
           <a:p>
             <a:fld id="{F9EA1687-7EE6-479F-A4F5-5CC717677A36}" type="datetimeFigureOut">
               <a:rPr lang="zh-CN" altLang="en-US" smtClean="0"/>
-              <a:t>2018/5/3</a:t>
+              <a:t>2018/5/7</a:t>
             </a:fld>
             <a:endParaRPr lang="zh-CN" altLang="en-US"/>
           </a:p>
@@ -4813,7 +4813,7 @@
           <a:p>
             <a:fld id="{F9EA1687-7EE6-479F-A4F5-5CC717677A36}" type="datetimeFigureOut">
               <a:rPr lang="zh-CN" altLang="en-US" smtClean="0"/>
-              <a:t>2018/5/3</a:t>
+              <a:t>2018/5/7</a:t>
             </a:fld>
             <a:endParaRPr lang="zh-CN" altLang="en-US"/>
           </a:p>
@@ -4926,7 +4926,7 @@
           <a:p>
             <a:fld id="{F9EA1687-7EE6-479F-A4F5-5CC717677A36}" type="datetimeFigureOut">
               <a:rPr lang="zh-CN" altLang="en-US" smtClean="0"/>
-              <a:t>2018/5/3</a:t>
+              <a:t>2018/5/7</a:t>
             </a:fld>
             <a:endParaRPr lang="zh-CN" altLang="en-US"/>
           </a:p>
@@ -5237,7 +5237,7 @@
           <a:p>
             <a:fld id="{F9EA1687-7EE6-479F-A4F5-5CC717677A36}" type="datetimeFigureOut">
               <a:rPr lang="zh-CN" altLang="en-US" smtClean="0"/>
-              <a:t>2018/5/3</a:t>
+              <a:t>2018/5/7</a:t>
             </a:fld>
             <a:endParaRPr lang="zh-CN" altLang="en-US"/>
           </a:p>
@@ -5525,7 +5525,7 @@
           <a:p>
             <a:fld id="{F9EA1687-7EE6-479F-A4F5-5CC717677A36}" type="datetimeFigureOut">
               <a:rPr lang="zh-CN" altLang="en-US" smtClean="0"/>
-              <a:t>2018/5/3</a:t>
+              <a:t>2018/5/7</a:t>
             </a:fld>
             <a:endParaRPr lang="zh-CN" altLang="en-US"/>
           </a:p>
@@ -5766,7 +5766,7 @@
           <a:p>
             <a:fld id="{F9EA1687-7EE6-479F-A4F5-5CC717677A36}" type="datetimeFigureOut">
               <a:rPr lang="zh-CN" altLang="en-US" smtClean="0"/>
-              <a:t>2018/5/3</a:t>
+              <a:t>2018/5/7</a:t>
             </a:fld>
             <a:endParaRPr lang="zh-CN" altLang="en-US"/>
           </a:p>
@@ -8292,8 +8292,8 @@
   <p:clrMapOvr>
     <a:masterClrMapping/>
   </p:clrMapOvr>
-  <mc:AlternateContent xmlns:mc="http://schemas.openxmlformats.org/markup-compatibility/2006">
-    <mc:Choice xmlns:p14="http://schemas.microsoft.com/office/powerpoint/2010/main" Requires="p14">
+  <mc:AlternateContent xmlns:mc="http://schemas.openxmlformats.org/markup-compatibility/2006" xmlns:p14="http://schemas.microsoft.com/office/powerpoint/2010/main">
+    <mc:Choice Requires="p14">
       <p:timing>
         <p:tnLst>
           <p:par>
@@ -8661,7 +8661,7 @@
         </p:bldLst>
       </p:timing>
     </mc:Choice>
-    <mc:Fallback>
+    <mc:Fallback xmlns="">
       <p:timing>
         <p:tnLst>
           <p:par>
